--- a/Weekly Updates/Week1.pptx
+++ b/Weekly Updates/Week1.pptx
@@ -3358,6 +3358,10 @@
           </a:bodyPr>
           <a:lstStyle/>
           <a:p>
+            <a:r>
+              <a:rPr lang="en-US" dirty="0"/>
+              <a:t/>
+            </a:r>
             <a:br>
               <a:rPr lang="en-US" dirty="0"/>
             </a:br>
@@ -4000,31 +4004,32 @@
           </a:p>
         </p:txBody>
       </p:sp>
-      <p:sp>
-        <p:nvSpPr>
-          <p:cNvPr id="3" name="Content Placeholder 2">
-            <a:extLst>
-              <a:ext uri="{FF2B5EF4-FFF2-40B4-BE49-F238E27FC236}">
-                <a16:creationId xmlns:a16="http://schemas.microsoft.com/office/drawing/2014/main" id="{8EBFE04B-AE94-454C-91A0-089FDE4AAAD5}"/>
-              </a:ext>
-            </a:extLst>
-          </p:cNvPr>
-          <p:cNvSpPr>
-            <a:spLocks noGrp="1"/>
-          </p:cNvSpPr>
+      <p:pic>
+        <p:nvPicPr>
+          <p:cNvPr id="4" name="Content Placeholder 3"/>
+          <p:cNvPicPr>
+            <a:picLocks noGrp="1" noChangeAspect="1"/>
+          </p:cNvPicPr>
           <p:nvPr>
             <p:ph idx="1"/>
           </p:nvPr>
-        </p:nvSpPr>
-        <p:spPr/>
-        <p:txBody>
-          <a:bodyPr/>
-          <a:lstStyle/>
-          <a:p>
-            <a:endParaRPr lang="en-US"/>
-          </a:p>
-        </p:txBody>
-      </p:sp>
+        </p:nvPicPr>
+        <p:blipFill>
+          <a:blip r:embed="rId2"/>
+          <a:stretch>
+            <a:fillRect/>
+          </a:stretch>
+        </p:blipFill>
+        <p:spPr>
+          <a:xfrm>
+            <a:off x="3348842" y="925991"/>
+            <a:ext cx="4690676" cy="5250972"/>
+          </a:xfrm>
+          <a:prstGeom prst="rect">
+            <a:avLst/>
+          </a:prstGeom>
+        </p:spPr>
+      </p:pic>
     </p:spTree>
     <p:extLst>
       <p:ext uri="{BB962C8B-B14F-4D97-AF65-F5344CB8AC3E}">
